--- a/election_tweets/D606_PartisanshipAndCompetitiveElections.pptx
+++ b/election_tweets/D606_PartisanshipAndCompetitiveElections.pptx
@@ -187,6 +187,9 @@
           </p14:sldIdLst>
         </p14:section>
       </p14:sectionLst>
+    </p:ext>
+    <p:ext uri="{EFAFB233-063F-42B5-8137-9DF3F51BA10A}">
+      <p15:sldGuideLst xmlns:p15="http://schemas.microsoft.com/office/powerpoint/2012/main"/>
     </p:ext>
   </p:extLst>
 </p:presentation>
@@ -695,7 +698,7 @@
             <a:fld id="{B61BEF0D-F0BB-DE4B-95CE-6DB70DBA9567}" type="datetimeFigureOut">
               <a:rPr lang="en-US" dirty="0"/>
               <a:pPr/>
-              <a:t>5/10/2023</a:t>
+              <a:t>5/14/2023</a:t>
             </a:fld>
             <a:endParaRPr lang="en-US" dirty="0"/>
           </a:p>
@@ -988,7 +991,7 @@
             <a:fld id="{B61BEF0D-F0BB-DE4B-95CE-6DB70DBA9567}" type="datetimeFigureOut">
               <a:rPr lang="en-US" dirty="0"/>
               <a:pPr/>
-              <a:t>5/10/2023</a:t>
+              <a:t>5/14/2023</a:t>
             </a:fld>
             <a:endParaRPr lang="en-US" dirty="0"/>
           </a:p>
@@ -1233,7 +1236,7 @@
             <a:fld id="{B61BEF0D-F0BB-DE4B-95CE-6DB70DBA9567}" type="datetimeFigureOut">
               <a:rPr lang="en-US" dirty="0"/>
               <a:pPr/>
-              <a:t>5/10/2023</a:t>
+              <a:t>5/14/2023</a:t>
             </a:fld>
             <a:endParaRPr lang="en-US" dirty="0"/>
           </a:p>
@@ -1770,7 +1773,7 @@
             <a:fld id="{B61BEF0D-F0BB-DE4B-95CE-6DB70DBA9567}" type="datetimeFigureOut">
               <a:rPr lang="en-US" dirty="0"/>
               <a:pPr/>
-              <a:t>5/10/2023</a:t>
+              <a:t>5/14/2023</a:t>
             </a:fld>
             <a:endParaRPr lang="en-US" dirty="0"/>
           </a:p>
@@ -2015,7 +2018,7 @@
             <a:fld id="{B61BEF0D-F0BB-DE4B-95CE-6DB70DBA9567}" type="datetimeFigureOut">
               <a:rPr lang="en-US" dirty="0"/>
               <a:pPr/>
-              <a:t>5/10/2023</a:t>
+              <a:t>5/14/2023</a:t>
             </a:fld>
             <a:endParaRPr lang="en-US" dirty="0"/>
           </a:p>
@@ -2544,7 +2547,7 @@
             <a:fld id="{B61BEF0D-F0BB-DE4B-95CE-6DB70DBA9567}" type="datetimeFigureOut">
               <a:rPr lang="en-US" dirty="0"/>
               <a:pPr/>
-              <a:t>5/10/2023</a:t>
+              <a:t>5/14/2023</a:t>
             </a:fld>
             <a:endParaRPr lang="en-US" dirty="0"/>
           </a:p>
@@ -2838,7 +2841,7 @@
             <a:fld id="{B61BEF0D-F0BB-DE4B-95CE-6DB70DBA9567}" type="datetimeFigureOut">
               <a:rPr lang="en-US" dirty="0"/>
               <a:pPr/>
-              <a:t>5/10/2023</a:t>
+              <a:t>5/14/2023</a:t>
             </a:fld>
             <a:endParaRPr lang="en-US" dirty="0"/>
           </a:p>
@@ -3009,7 +3012,7 @@
             <a:fld id="{B61BEF0D-F0BB-DE4B-95CE-6DB70DBA9567}" type="datetimeFigureOut">
               <a:rPr lang="en-US" dirty="0"/>
               <a:pPr/>
-              <a:t>5/10/2023</a:t>
+              <a:t>5/14/2023</a:t>
             </a:fld>
             <a:endParaRPr lang="en-US" dirty="0"/>
           </a:p>
@@ -3186,7 +3189,7 @@
             <a:fld id="{B61BEF0D-F0BB-DE4B-95CE-6DB70DBA9567}" type="datetimeFigureOut">
               <a:rPr lang="en-US" dirty="0"/>
               <a:pPr/>
-              <a:t>5/10/2023</a:t>
+              <a:t>5/14/2023</a:t>
             </a:fld>
             <a:endParaRPr lang="en-US" dirty="0"/>
           </a:p>
@@ -3353,7 +3356,7 @@
             <a:fld id="{B61BEF0D-F0BB-DE4B-95CE-6DB70DBA9567}" type="datetimeFigureOut">
               <a:rPr lang="en-US" dirty="0"/>
               <a:pPr/>
-              <a:t>5/10/2023</a:t>
+              <a:t>5/14/2023</a:t>
             </a:fld>
             <a:endParaRPr lang="en-US" dirty="0"/>
           </a:p>
@@ -3601,7 +3604,7 @@
             <a:fld id="{B61BEF0D-F0BB-DE4B-95CE-6DB70DBA9567}" type="datetimeFigureOut">
               <a:rPr lang="en-US" dirty="0"/>
               <a:pPr/>
-              <a:t>5/10/2023</a:t>
+              <a:t>5/14/2023</a:t>
             </a:fld>
             <a:endParaRPr lang="en-US" dirty="0"/>
           </a:p>
@@ -3895,7 +3898,7 @@
             <a:fld id="{B61BEF0D-F0BB-DE4B-95CE-6DB70DBA9567}" type="datetimeFigureOut">
               <a:rPr lang="en-US" dirty="0"/>
               <a:pPr/>
-              <a:t>5/10/2023</a:t>
+              <a:t>5/14/2023</a:t>
             </a:fld>
             <a:endParaRPr lang="en-US" dirty="0"/>
           </a:p>
@@ -4334,7 +4337,7 @@
             <a:fld id="{B61BEF0D-F0BB-DE4B-95CE-6DB70DBA9567}" type="datetimeFigureOut">
               <a:rPr lang="en-US" dirty="0"/>
               <a:pPr/>
-              <a:t>5/10/2023</a:t>
+              <a:t>5/14/2023</a:t>
             </a:fld>
             <a:endParaRPr lang="en-US" dirty="0"/>
           </a:p>
@@ -4449,7 +4452,7 @@
             <a:fld id="{B61BEF0D-F0BB-DE4B-95CE-6DB70DBA9567}" type="datetimeFigureOut">
               <a:rPr lang="en-US" dirty="0"/>
               <a:pPr/>
-              <a:t>5/10/2023</a:t>
+              <a:t>5/14/2023</a:t>
             </a:fld>
             <a:endParaRPr lang="en-US" dirty="0"/>
           </a:p>
@@ -4541,7 +4544,7 @@
             <a:fld id="{B61BEF0D-F0BB-DE4B-95CE-6DB70DBA9567}" type="datetimeFigureOut">
               <a:rPr lang="en-US" dirty="0"/>
               <a:pPr/>
-              <a:t>5/10/2023</a:t>
+              <a:t>5/14/2023</a:t>
             </a:fld>
             <a:endParaRPr lang="en-US" dirty="0"/>
           </a:p>
@@ -4821,7 +4824,7 @@
             <a:fld id="{B61BEF0D-F0BB-DE4B-95CE-6DB70DBA9567}" type="datetimeFigureOut">
               <a:rPr lang="en-US" dirty="0"/>
               <a:pPr/>
-              <a:t>5/10/2023</a:t>
+              <a:t>5/14/2023</a:t>
             </a:fld>
             <a:endParaRPr lang="en-US" dirty="0"/>
           </a:p>
@@ -5109,7 +5112,7 @@
             <a:fld id="{B61BEF0D-F0BB-DE4B-95CE-6DB70DBA9567}" type="datetimeFigureOut">
               <a:rPr lang="en-US" dirty="0"/>
               <a:pPr/>
-              <a:t>5/10/2023</a:t>
+              <a:t>5/14/2023</a:t>
             </a:fld>
             <a:endParaRPr lang="en-US" dirty="0"/>
           </a:p>
@@ -5636,7 +5639,7 @@
             <a:fld id="{B61BEF0D-F0BB-DE4B-95CE-6DB70DBA9567}" type="datetimeFigureOut">
               <a:rPr lang="en-US" dirty="0"/>
               <a:pPr/>
-              <a:t>5/10/2023</a:t>
+              <a:t>5/14/2023</a:t>
             </a:fld>
             <a:endParaRPr lang="en-US" dirty="0"/>
           </a:p>
@@ -6411,8 +6414,8 @@
           </a:p>
         </p:txBody>
       </p:sp>
-      <mc:AlternateContent xmlns:mc="http://schemas.openxmlformats.org/markup-compatibility/2006">
-        <mc:Choice xmlns:a14="http://schemas.microsoft.com/office/drawing/2010/main" Requires="a14">
+      <mc:AlternateContent xmlns:mc="http://schemas.openxmlformats.org/markup-compatibility/2006" xmlns:a14="http://schemas.microsoft.com/office/drawing/2010/main">
+        <mc:Choice Requires="a14">
           <p:sp>
             <p:nvSpPr>
               <p:cNvPr id="3" name="Content Placeholder 9">
@@ -6695,7 +6698,7 @@
             </p:txBody>
           </p:sp>
         </mc:Choice>
-        <mc:Fallback>
+        <mc:Fallback xmlns="">
           <p:sp>
             <p:nvSpPr>
               <p:cNvPr id="3" name="Content Placeholder 9">
@@ -9301,7 +9304,25 @@
                 <a:ea typeface="Calibri" panose="020F0502020204030204" pitchFamily="34" charset="0"/>
                 <a:cs typeface="Times New Roman" panose="02020603050405020304" pitchFamily="18" charset="0"/>
               </a:rPr>
-              <a:t> measure of partisan cooperation in Congress, and a measure of partisan rhetoric based on a corpus of candidate tweets. Because of the latent nature of these variables, it is difficult to assign a high degree of confidence to any one test. So, testing is performed on all nine pairs of the above six variables. I first conduct null hypothesis tests to compare the mean partisanship score of candidates from highly partisan districts (i.e., less competitive) versus those from less partisan districts (i.e., more competitive). Results appear mixed, but tend to indicate only a weak relationship, if any, with three of the nine pairs of variables showing a statistically significant relationship. To follow up on this finding, I fit a series of linear regression models. Of the nine models, only three had statistically significant predictors, corresponding to the same three significant pairs from the first round of tests. Moreover, those three models offered only limited explanation of the variance in the dependent variable, as evidenced by low R-squared (all under 15%). In conclusion, the data provide little evidence of a persistent relationship between districts’ competitiveness and the extend of partisan leanings of their candidates.</a:t>
+              <a:t> measure of partisan cooperation in Congress, and a measure of partisan rhetoric based on a corpus of candidate tweets. Because of the latent nature of these variables, it is difficult to assign a high degree of confidence to any one test. So, testing is performed on all nine pairs of the above six variables. I first conduct null hypothesis tests to compare the mean partisanship score of candidates from highly partisan districts (i.e., less competitive) versus those from less partisan districts (i.e., more competitive). Results appear mixed, but tend to indicate only a weak relationship, if any, with three of the nine pairs of variables showing a statistically significant relationship. To follow up on this finding, I fit a series of linear regression models. Of the nine models, only three had statistically significant predictors, corresponding to the same three significant pairs from the first round of tests. Moreover, those three models offered only limited explanation of the variance in the dependent variable, as evidenced by low R-squared (all under 15%). In conclusion, the data provide little evidence of a persistent relationship between districts’ competitiveness and </a:t>
+            </a:r>
+            <a:r>
+              <a:rPr lang="en-US" sz="1800" kern="100">
+                <a:effectLst/>
+                <a:latin typeface="Calibri" panose="020F0502020204030204" pitchFamily="34" charset="0"/>
+                <a:ea typeface="Calibri" panose="020F0502020204030204" pitchFamily="34" charset="0"/>
+                <a:cs typeface="Times New Roman" panose="02020603050405020304" pitchFamily="18" charset="0"/>
+              </a:rPr>
+              <a:t>the extent </a:t>
+            </a:r>
+            <a:r>
+              <a:rPr lang="en-US" sz="1800" kern="100" dirty="0">
+                <a:effectLst/>
+                <a:latin typeface="Calibri" panose="020F0502020204030204" pitchFamily="34" charset="0"/>
+                <a:ea typeface="Calibri" panose="020F0502020204030204" pitchFamily="34" charset="0"/>
+                <a:cs typeface="Times New Roman" panose="02020603050405020304" pitchFamily="18" charset="0"/>
+              </a:rPr>
+              <a:t>of partisan leanings of their candidates.</a:t>
             </a:r>
             <a:endParaRPr lang="en-US" dirty="0"/>
           </a:p>
